--- a/FlghtReservationSystem/Flight Reservation System Presentation.pptx
+++ b/FlghtReservationSystem/Flight Reservation System Presentation.pptx
@@ -5,12 +5,12 @@
     <p:sldMasterId id="2147483648" r:id="rId1"/>
   </p:sldMasterIdLst>
   <p:sldIdLst>
-    <p:sldId id="256" r:id="rId6"/>
-    <p:sldId id="257" r:id="rId7"/>
-    <p:sldId id="258" r:id="rId8"/>
-    <p:sldId id="259" r:id="rId9"/>
-    <p:sldId id="260" r:id="rId10"/>
-    <p:sldId id="261" r:id="rId11"/>
+    <p:sldId id="256" r:id="rId2"/>
+    <p:sldId id="257" r:id="rId3"/>
+    <p:sldId id="258" r:id="rId4"/>
+    <p:sldId id="259" r:id="rId5"/>
+    <p:sldId id="260" r:id="rId6"/>
+    <p:sldId id="261" r:id="rId7"/>
   </p:sldIdLst>
   <p:sldSz cx="8128000" cy="4572000"/>
   <p:notesSz cx="8128000" cy="4572000"/>
@@ -19,11 +19,83 @@
       <a:defRPr kern="0"/>
     </a:defPPr>
   </p:defaultTextStyle>
+  <p:extLst>
+    <p:ext uri="{EFAFB233-063F-42B5-8137-9DF3F51BA10A}">
+      <p15:sldGuideLst xmlns:p15="http://schemas.microsoft.com/office/powerpoint/2012/main">
+        <p15:guide id="1" orient="horz" pos="2880">
+          <p15:clr>
+            <a:srgbClr val="A4A3A4"/>
+          </p15:clr>
+        </p15:guide>
+        <p15:guide id="2" pos="2160">
+          <p15:clr>
+            <a:srgbClr val="A4A3A4"/>
+          </p15:clr>
+        </p15:guide>
+      </p15:sldGuideLst>
+    </p:ext>
+  </p:extLst>
 </p:presentation>
 </file>
 
+<file path=ppt/changesInfos/changesInfo1.xml><?xml version="1.0" encoding="utf-8"?>
+<pc:chgInfo xmlns:a="http://schemas.openxmlformats.org/drawingml/2006/main" xmlns:r="http://schemas.openxmlformats.org/officeDocument/2006/relationships" xmlns:ac="http://schemas.microsoft.com/office/drawing/2013/main/command" xmlns:pc="http://schemas.microsoft.com/office/powerpoint/2013/main/command">
+  <pc:docChgLst>
+    <pc:chgData name="Muhammad Hamza" userId="1f2163cb44f43671" providerId="LiveId" clId="{B8FD3FA1-8F8A-4A3D-87C3-C6BFD2B753EF}"/>
+    <pc:docChg chg="modSld">
+      <pc:chgData name="Muhammad Hamza" userId="1f2163cb44f43671" providerId="LiveId" clId="{B8FD3FA1-8F8A-4A3D-87C3-C6BFD2B753EF}" dt="2025-01-28T12:29:05.847" v="47"/>
+      <pc:docMkLst>
+        <pc:docMk/>
+      </pc:docMkLst>
+      <pc:sldChg chg="modTransition">
+        <pc:chgData name="Muhammad Hamza" userId="1f2163cb44f43671" providerId="LiveId" clId="{B8FD3FA1-8F8A-4A3D-87C3-C6BFD2B753EF}" dt="2025-01-28T12:29:05.847" v="47"/>
+        <pc:sldMkLst>
+          <pc:docMk/>
+          <pc:sldMk cId="0" sldId="256"/>
+        </pc:sldMkLst>
+      </pc:sldChg>
+      <pc:sldChg chg="modTransition">
+        <pc:chgData name="Muhammad Hamza" userId="1f2163cb44f43671" providerId="LiveId" clId="{B8FD3FA1-8F8A-4A3D-87C3-C6BFD2B753EF}" dt="2025-01-28T12:26:54.606" v="38"/>
+        <pc:sldMkLst>
+          <pc:docMk/>
+          <pc:sldMk cId="0" sldId="257"/>
+        </pc:sldMkLst>
+      </pc:sldChg>
+      <pc:sldChg chg="modTransition">
+        <pc:chgData name="Muhammad Hamza" userId="1f2163cb44f43671" providerId="LiveId" clId="{B8FD3FA1-8F8A-4A3D-87C3-C6BFD2B753EF}" dt="2025-01-28T12:26:34.920" v="37"/>
+        <pc:sldMkLst>
+          <pc:docMk/>
+          <pc:sldMk cId="0" sldId="258"/>
+        </pc:sldMkLst>
+      </pc:sldChg>
+      <pc:sldChg chg="modTransition">
+        <pc:chgData name="Muhammad Hamza" userId="1f2163cb44f43671" providerId="LiveId" clId="{B8FD3FA1-8F8A-4A3D-87C3-C6BFD2B753EF}" dt="2025-01-28T12:27:05.145" v="40"/>
+        <pc:sldMkLst>
+          <pc:docMk/>
+          <pc:sldMk cId="0" sldId="259"/>
+        </pc:sldMkLst>
+      </pc:sldChg>
+      <pc:sldChg chg="modTransition">
+        <pc:chgData name="Muhammad Hamza" userId="1f2163cb44f43671" providerId="LiveId" clId="{B8FD3FA1-8F8A-4A3D-87C3-C6BFD2B753EF}" dt="2025-01-28T12:27:11.327" v="41"/>
+        <pc:sldMkLst>
+          <pc:docMk/>
+          <pc:sldMk cId="0" sldId="260"/>
+        </pc:sldMkLst>
+      </pc:sldChg>
+      <pc:sldChg chg="modTransition">
+        <pc:chgData name="Muhammad Hamza" userId="1f2163cb44f43671" providerId="LiveId" clId="{B8FD3FA1-8F8A-4A3D-87C3-C6BFD2B753EF}" dt="2025-01-28T12:27:15.832" v="42"/>
+        <pc:sldMkLst>
+          <pc:docMk/>
+          <pc:sldMk cId="0" sldId="261"/>
+        </pc:sldMkLst>
+      </pc:sldChg>
+    </pc:docChg>
+  </pc:docChgLst>
+</pc:chgInfo>
+</file>
+
 <file path=ppt/slideLayouts/slideLayout1.xml><?xml version="1.0" encoding="utf-8"?>
-<p:sldLayout xmlns:a="http://schemas.openxmlformats.org/drawingml/2006/main" xmlns:r="http://schemas.openxmlformats.org/officeDocument/2006/relationships" xmlns:p="http://schemas.openxmlformats.org/presentationml/2006/main" preserve="1" type="obj">
+<p:sldLayout xmlns:a="http://schemas.openxmlformats.org/drawingml/2006/main" xmlns:r="http://schemas.openxmlformats.org/officeDocument/2006/relationships" xmlns:p="http://schemas.openxmlformats.org/presentationml/2006/main" type="obj" preserve="1">
   <p:cSld name="Title Slide">
     <p:spTree>
       <p:nvGrpSpPr>
@@ -67,7 +139,9 @@
               <a:defRPr/>
             </a:lvl1pPr>
           </a:lstStyle>
-          <a:p/>
+          <a:p>
+            <a:endParaRPr/>
+          </a:p>
         </p:txBody>
       </p:sp>
       <p:sp>
@@ -98,7 +172,9 @@
               <a:defRPr/>
             </a:lvl1pPr>
           </a:lstStyle>
-          <a:p/>
+          <a:p>
+            <a:endParaRPr/>
+          </a:p>
         </p:txBody>
       </p:sp>
       <p:sp>
@@ -108,7 +184,7 @@
             <a:spLocks noGrp="1"/>
           </p:cNvSpPr>
           <p:nvPr>
-            <p:ph type="ftr" idx="5" sz="quarter"/>
+            <p:ph type="ftr" sz="quarter" idx="5"/>
           </p:nvPr>
         </p:nvSpPr>
         <p:spPr/>
@@ -125,7 +201,9 @@
               </a:defRPr>
             </a:lvl1pPr>
           </a:lstStyle>
-          <a:p/>
+          <a:p>
+            <a:endParaRPr/>
+          </a:p>
         </p:txBody>
       </p:sp>
       <p:sp>
@@ -135,7 +213,7 @@
             <a:spLocks noGrp="1"/>
           </p:cNvSpPr>
           <p:nvPr>
-            <p:ph type="dt" idx="6" sz="half"/>
+            <p:ph type="dt" sz="half" idx="6"/>
           </p:nvPr>
         </p:nvSpPr>
         <p:spPr/>
@@ -155,7 +233,9 @@
           <a:p>
             <a:fld id="{1D8BD707-D9CF-40AE-B4C6-C98DA3205C09}" type="datetimeFigureOut">
               <a:rPr lang="en-US"/>
+              <a:t>1/28/2025</a:t>
             </a:fld>
+            <a:endParaRPr lang="en-US"/>
           </a:p>
         </p:txBody>
       </p:sp>
@@ -166,7 +246,7 @@
             <a:spLocks noGrp="1"/>
           </p:cNvSpPr>
           <p:nvPr>
-            <p:ph type="sldNum" idx="7" sz="quarter"/>
+            <p:ph type="sldNum" sz="quarter" idx="7"/>
           </p:nvPr>
         </p:nvSpPr>
         <p:spPr/>
@@ -185,8 +265,9 @@
           </a:lstStyle>
           <a:p>
             <a:fld id="{B6F15528-21DE-4FAA-801E-634DDDAF4B2B}" type="slidenum">
-              <a:t>#</a:t>
+              <a:t>‹#›</a:t>
             </a:fld>
+            <a:endParaRPr/>
           </a:p>
         </p:txBody>
       </p:sp>
@@ -199,7 +280,7 @@
 </file>
 
 <file path=ppt/slideLayouts/slideLayout2.xml><?xml version="1.0" encoding="utf-8"?>
-<p:sldLayout xmlns:a="http://schemas.openxmlformats.org/drawingml/2006/main" xmlns:r="http://schemas.openxmlformats.org/officeDocument/2006/relationships" xmlns:p="http://schemas.openxmlformats.org/presentationml/2006/main" preserve="1" type="obj">
+<p:sldLayout xmlns:a="http://schemas.openxmlformats.org/drawingml/2006/main" xmlns:r="http://schemas.openxmlformats.org/officeDocument/2006/relationships" xmlns:p="http://schemas.openxmlformats.org/presentationml/2006/main" type="obj" preserve="1">
   <p:cSld name="Title and Content">
     <p:spTree>
       <p:nvGrpSpPr>
@@ -233,7 +314,9 @@
               <a:defRPr/>
             </a:lvl1pPr>
           </a:lstStyle>
-          <a:p/>
+          <a:p>
+            <a:endParaRPr/>
+          </a:p>
         </p:txBody>
       </p:sp>
       <p:sp>
@@ -254,7 +337,9 @@
               <a:defRPr/>
             </a:lvl1pPr>
           </a:lstStyle>
-          <a:p/>
+          <a:p>
+            <a:endParaRPr/>
+          </a:p>
         </p:txBody>
       </p:sp>
       <p:sp>
@@ -264,7 +349,7 @@
             <a:spLocks noGrp="1"/>
           </p:cNvSpPr>
           <p:nvPr>
-            <p:ph type="ftr" idx="5" sz="quarter"/>
+            <p:ph type="ftr" sz="quarter" idx="5"/>
           </p:nvPr>
         </p:nvSpPr>
         <p:spPr/>
@@ -281,7 +366,9 @@
               </a:defRPr>
             </a:lvl1pPr>
           </a:lstStyle>
-          <a:p/>
+          <a:p>
+            <a:endParaRPr/>
+          </a:p>
         </p:txBody>
       </p:sp>
       <p:sp>
@@ -291,7 +378,7 @@
             <a:spLocks noGrp="1"/>
           </p:cNvSpPr>
           <p:nvPr>
-            <p:ph type="dt" idx="6" sz="half"/>
+            <p:ph type="dt" sz="half" idx="6"/>
           </p:nvPr>
         </p:nvSpPr>
         <p:spPr/>
@@ -311,7 +398,9 @@
           <a:p>
             <a:fld id="{1D8BD707-D9CF-40AE-B4C6-C98DA3205C09}" type="datetimeFigureOut">
               <a:rPr lang="en-US"/>
+              <a:t>1/28/2025</a:t>
             </a:fld>
+            <a:endParaRPr lang="en-US"/>
           </a:p>
         </p:txBody>
       </p:sp>
@@ -322,7 +411,7 @@
             <a:spLocks noGrp="1"/>
           </p:cNvSpPr>
           <p:nvPr>
-            <p:ph type="sldNum" idx="7" sz="quarter"/>
+            <p:ph type="sldNum" sz="quarter" idx="7"/>
           </p:nvPr>
         </p:nvSpPr>
         <p:spPr/>
@@ -341,8 +430,9 @@
           </a:lstStyle>
           <a:p>
             <a:fld id="{B6F15528-21DE-4FAA-801E-634DDDAF4B2B}" type="slidenum">
-              <a:t>#</a:t>
+              <a:t>‹#›</a:t>
             </a:fld>
+            <a:endParaRPr/>
           </a:p>
         </p:txBody>
       </p:sp>
@@ -355,7 +445,7 @@
 </file>
 
 <file path=ppt/slideLayouts/slideLayout3.xml><?xml version="1.0" encoding="utf-8"?>
-<p:sldLayout xmlns:a="http://schemas.openxmlformats.org/drawingml/2006/main" xmlns:r="http://schemas.openxmlformats.org/officeDocument/2006/relationships" xmlns:p="http://schemas.openxmlformats.org/presentationml/2006/main" preserve="1" type="obj">
+<p:sldLayout xmlns:a="http://schemas.openxmlformats.org/drawingml/2006/main" xmlns:r="http://schemas.openxmlformats.org/officeDocument/2006/relationships" xmlns:p="http://schemas.openxmlformats.org/presentationml/2006/main" type="obj" preserve="1">
   <p:cSld name="Two Content">
     <p:spTree>
       <p:nvGrpSpPr>
@@ -389,7 +479,9 @@
               <a:defRPr/>
             </a:lvl1pPr>
           </a:lstStyle>
-          <a:p/>
+          <a:p>
+            <a:endParaRPr/>
+          </a:p>
         </p:txBody>
       </p:sp>
       <p:sp>
@@ -399,7 +491,7 @@
             <a:spLocks noGrp="1"/>
           </p:cNvSpPr>
           <p:nvPr>
-            <p:ph idx="2" sz="half"/>
+            <p:ph sz="half" idx="2"/>
           </p:nvPr>
         </p:nvSpPr>
         <p:spPr>
@@ -420,7 +512,9 @@
               <a:defRPr/>
             </a:lvl1pPr>
           </a:lstStyle>
-          <a:p/>
+          <a:p>
+            <a:endParaRPr/>
+          </a:p>
         </p:txBody>
       </p:sp>
       <p:sp>
@@ -430,7 +524,7 @@
             <a:spLocks noGrp="1"/>
           </p:cNvSpPr>
           <p:nvPr>
-            <p:ph idx="3" sz="half"/>
+            <p:ph sz="half" idx="3"/>
           </p:nvPr>
         </p:nvSpPr>
         <p:spPr>
@@ -451,7 +545,9 @@
               <a:defRPr/>
             </a:lvl1pPr>
           </a:lstStyle>
-          <a:p/>
+          <a:p>
+            <a:endParaRPr/>
+          </a:p>
         </p:txBody>
       </p:sp>
       <p:sp>
@@ -461,7 +557,7 @@
             <a:spLocks noGrp="1"/>
           </p:cNvSpPr>
           <p:nvPr>
-            <p:ph type="ftr" idx="5" sz="quarter"/>
+            <p:ph type="ftr" sz="quarter" idx="5"/>
           </p:nvPr>
         </p:nvSpPr>
         <p:spPr/>
@@ -478,7 +574,9 @@
               </a:defRPr>
             </a:lvl1pPr>
           </a:lstStyle>
-          <a:p/>
+          <a:p>
+            <a:endParaRPr/>
+          </a:p>
         </p:txBody>
       </p:sp>
       <p:sp>
@@ -488,7 +586,7 @@
             <a:spLocks noGrp="1"/>
           </p:cNvSpPr>
           <p:nvPr>
-            <p:ph type="dt" idx="6" sz="half"/>
+            <p:ph type="dt" sz="half" idx="6"/>
           </p:nvPr>
         </p:nvSpPr>
         <p:spPr/>
@@ -508,7 +606,9 @@
           <a:p>
             <a:fld id="{1D8BD707-D9CF-40AE-B4C6-C98DA3205C09}" type="datetimeFigureOut">
               <a:rPr lang="en-US"/>
+              <a:t>1/28/2025</a:t>
             </a:fld>
+            <a:endParaRPr lang="en-US"/>
           </a:p>
         </p:txBody>
       </p:sp>
@@ -519,7 +619,7 @@
             <a:spLocks noGrp="1"/>
           </p:cNvSpPr>
           <p:nvPr>
-            <p:ph type="sldNum" idx="7" sz="quarter"/>
+            <p:ph type="sldNum" sz="quarter" idx="7"/>
           </p:nvPr>
         </p:nvSpPr>
         <p:spPr/>
@@ -538,8 +638,9 @@
           </a:lstStyle>
           <a:p>
             <a:fld id="{B6F15528-21DE-4FAA-801E-634DDDAF4B2B}" type="slidenum">
-              <a:t>#</a:t>
+              <a:t>‹#›</a:t>
             </a:fld>
+            <a:endParaRPr/>
           </a:p>
         </p:txBody>
       </p:sp>
@@ -552,7 +653,7 @@
 </file>
 
 <file path=ppt/slideLayouts/slideLayout4.xml><?xml version="1.0" encoding="utf-8"?>
-<p:sldLayout xmlns:a="http://schemas.openxmlformats.org/drawingml/2006/main" xmlns:r="http://schemas.openxmlformats.org/officeDocument/2006/relationships" xmlns:p="http://schemas.openxmlformats.org/presentationml/2006/main" preserve="1" type="obj">
+<p:sldLayout xmlns:a="http://schemas.openxmlformats.org/drawingml/2006/main" xmlns:r="http://schemas.openxmlformats.org/officeDocument/2006/relationships" xmlns:p="http://schemas.openxmlformats.org/presentationml/2006/main" type="obj" preserve="1">
   <p:cSld name="Title Only">
     <p:spTree>
       <p:nvGrpSpPr>
@@ -586,7 +687,9 @@
               <a:defRPr/>
             </a:lvl1pPr>
           </a:lstStyle>
-          <a:p/>
+          <a:p>
+            <a:endParaRPr/>
+          </a:p>
         </p:txBody>
       </p:sp>
       <p:sp>
@@ -596,7 +699,7 @@
             <a:spLocks noGrp="1"/>
           </p:cNvSpPr>
           <p:nvPr>
-            <p:ph type="ftr" idx="5" sz="quarter"/>
+            <p:ph type="ftr" sz="quarter" idx="5"/>
           </p:nvPr>
         </p:nvSpPr>
         <p:spPr/>
@@ -613,7 +716,9 @@
               </a:defRPr>
             </a:lvl1pPr>
           </a:lstStyle>
-          <a:p/>
+          <a:p>
+            <a:endParaRPr/>
+          </a:p>
         </p:txBody>
       </p:sp>
       <p:sp>
@@ -623,7 +728,7 @@
             <a:spLocks noGrp="1"/>
           </p:cNvSpPr>
           <p:nvPr>
-            <p:ph type="dt" idx="6" sz="half"/>
+            <p:ph type="dt" sz="half" idx="6"/>
           </p:nvPr>
         </p:nvSpPr>
         <p:spPr/>
@@ -643,7 +748,9 @@
           <a:p>
             <a:fld id="{1D8BD707-D9CF-40AE-B4C6-C98DA3205C09}" type="datetimeFigureOut">
               <a:rPr lang="en-US"/>
+              <a:t>1/28/2025</a:t>
             </a:fld>
+            <a:endParaRPr lang="en-US"/>
           </a:p>
         </p:txBody>
       </p:sp>
@@ -654,7 +761,7 @@
             <a:spLocks noGrp="1"/>
           </p:cNvSpPr>
           <p:nvPr>
-            <p:ph type="sldNum" idx="7" sz="quarter"/>
+            <p:ph type="sldNum" sz="quarter" idx="7"/>
           </p:nvPr>
         </p:nvSpPr>
         <p:spPr/>
@@ -673,8 +780,9 @@
           </a:lstStyle>
           <a:p>
             <a:fld id="{B6F15528-21DE-4FAA-801E-634DDDAF4B2B}" type="slidenum">
-              <a:t>#</a:t>
+              <a:t>‹#›</a:t>
             </a:fld>
+            <a:endParaRPr/>
           </a:p>
         </p:txBody>
       </p:sp>
@@ -687,7 +795,7 @@
 </file>
 
 <file path=ppt/slideLayouts/slideLayout5.xml><?xml version="1.0" encoding="utf-8"?>
-<p:sldLayout xmlns:a="http://schemas.openxmlformats.org/drawingml/2006/main" xmlns:r="http://schemas.openxmlformats.org/officeDocument/2006/relationships" xmlns:p="http://schemas.openxmlformats.org/presentationml/2006/main" preserve="1" type="obj">
+<p:sldLayout xmlns:a="http://schemas.openxmlformats.org/drawingml/2006/main" xmlns:r="http://schemas.openxmlformats.org/officeDocument/2006/relationships" xmlns:p="http://schemas.openxmlformats.org/presentationml/2006/main" type="obj" preserve="1">
   <p:cSld name="Blank">
     <p:spTree>
       <p:nvGrpSpPr>
@@ -710,7 +818,7 @@
             <a:spLocks noGrp="1"/>
           </p:cNvSpPr>
           <p:nvPr>
-            <p:ph type="ftr" idx="5" sz="quarter"/>
+            <p:ph type="ftr" sz="quarter" idx="5"/>
           </p:nvPr>
         </p:nvSpPr>
         <p:spPr/>
@@ -727,7 +835,9 @@
               </a:defRPr>
             </a:lvl1pPr>
           </a:lstStyle>
-          <a:p/>
+          <a:p>
+            <a:endParaRPr/>
+          </a:p>
         </p:txBody>
       </p:sp>
       <p:sp>
@@ -737,7 +847,7 @@
             <a:spLocks noGrp="1"/>
           </p:cNvSpPr>
           <p:nvPr>
-            <p:ph type="dt" idx="6" sz="half"/>
+            <p:ph type="dt" sz="half" idx="6"/>
           </p:nvPr>
         </p:nvSpPr>
         <p:spPr/>
@@ -757,7 +867,9 @@
           <a:p>
             <a:fld id="{1D8BD707-D9CF-40AE-B4C6-C98DA3205C09}" type="datetimeFigureOut">
               <a:rPr lang="en-US"/>
+              <a:t>1/28/2025</a:t>
             </a:fld>
+            <a:endParaRPr lang="en-US"/>
           </a:p>
         </p:txBody>
       </p:sp>
@@ -768,7 +880,7 @@
             <a:spLocks noGrp="1"/>
           </p:cNvSpPr>
           <p:nvPr>
-            <p:ph type="sldNum" idx="7" sz="quarter"/>
+            <p:ph type="sldNum" sz="quarter" idx="7"/>
           </p:nvPr>
         </p:nvSpPr>
         <p:spPr/>
@@ -787,8 +899,9 @@
           </a:lstStyle>
           <a:p>
             <a:fld id="{B6F15528-21DE-4FAA-801E-634DDDAF4B2B}" type="slidenum">
-              <a:t>#</a:t>
+              <a:t>‹#›</a:t>
             </a:fld>
+            <a:endParaRPr/>
           </a:p>
         </p:txBody>
       </p:sp>
@@ -853,7 +966,9 @@
               <a:defRPr/>
             </a:lvl1pPr>
           </a:lstStyle>
-          <a:p/>
+          <a:p>
+            <a:endParaRPr/>
+          </a:p>
         </p:txBody>
       </p:sp>
       <p:sp>
@@ -884,7 +999,9 @@
               <a:defRPr/>
             </a:lvl1pPr>
           </a:lstStyle>
-          <a:p/>
+          <a:p>
+            <a:endParaRPr/>
+          </a:p>
         </p:txBody>
       </p:sp>
       <p:sp>
@@ -894,7 +1011,7 @@
             <a:spLocks noGrp="1"/>
           </p:cNvSpPr>
           <p:nvPr>
-            <p:ph type="ftr" idx="5" sz="quarter"/>
+            <p:ph type="ftr" sz="quarter" idx="5"/>
           </p:nvPr>
         </p:nvSpPr>
         <p:spPr>
@@ -921,7 +1038,9 @@
               </a:defRPr>
             </a:lvl1pPr>
           </a:lstStyle>
-          <a:p/>
+          <a:p>
+            <a:endParaRPr/>
+          </a:p>
         </p:txBody>
       </p:sp>
       <p:sp>
@@ -931,7 +1050,7 @@
             <a:spLocks noGrp="1"/>
           </p:cNvSpPr>
           <p:nvPr>
-            <p:ph type="dt" idx="6" sz="half"/>
+            <p:ph type="dt" sz="half" idx="6"/>
           </p:nvPr>
         </p:nvSpPr>
         <p:spPr>
@@ -961,7 +1080,9 @@
           <a:p>
             <a:fld id="{1D8BD707-D9CF-40AE-B4C6-C98DA3205C09}" type="datetimeFigureOut">
               <a:rPr lang="en-US"/>
+              <a:t>1/28/2025</a:t>
             </a:fld>
+            <a:endParaRPr lang="en-US"/>
           </a:p>
         </p:txBody>
       </p:sp>
@@ -972,7 +1093,7 @@
             <a:spLocks noGrp="1"/>
           </p:cNvSpPr>
           <p:nvPr>
-            <p:ph type="sldNum" idx="7" sz="quarter"/>
+            <p:ph type="sldNum" sz="quarter" idx="7"/>
           </p:nvPr>
         </p:nvSpPr>
         <p:spPr>
@@ -1001,14 +1122,15 @@
           </a:lstStyle>
           <a:p>
             <a:fld id="{B6F15528-21DE-4FAA-801E-634DDDAF4B2B}" type="slidenum">
-              <a:t>#</a:t>
+              <a:t>‹#›</a:t>
             </a:fld>
+            <a:endParaRPr/>
           </a:p>
         </p:txBody>
       </p:sp>
     </p:spTree>
   </p:cSld>
-  <p:clrMap folHlink="folHlink" hlink="hlink" accent1="accent1" accent2="accent2" accent3="accent3" accent4="accent4" accent5="accent5" accent6="accent6" tx2="dk2" bg2="lt2" tx1="dk1" bg1="lt1"/>
+  <p:clrMap bg1="lt1" tx1="dk1" bg2="lt2" tx2="dk2" accent1="accent1" accent2="accent2" accent3="accent3" accent4="accent4" accent5="accent5" accent6="accent6" hlink="hlink" folHlink="folHlink"/>
   <p:sldLayoutIdLst>
     <p:sldLayoutId id="2147483661" r:id="rId1"/>
     <p:sldLayoutId id="2147483662" r:id="rId2"/>
@@ -1179,7 +1301,7 @@
       </p:grpSpPr>
       <p:grpSp>
         <p:nvGrpSpPr>
-          <p:cNvPr id="2" name="object 2" descr=""/>
+          <p:cNvPr id="2" name="object 2"/>
           <p:cNvGrpSpPr/>
           <p:nvPr/>
         </p:nvGrpSpPr>
@@ -1193,7 +1315,7 @@
         </p:grpSpPr>
         <p:pic>
           <p:nvPicPr>
-            <p:cNvPr id="3" name="object 3" descr=""/>
+            <p:cNvPr id="3" name="object 3"/>
             <p:cNvPicPr/>
             <p:nvPr/>
           </p:nvPicPr>
@@ -1215,7 +1337,7 @@
         </p:pic>
         <p:pic>
           <p:nvPicPr>
-            <p:cNvPr id="4" name="object 4" descr="">
+            <p:cNvPr id="4" name="object 4">
               <a:hlinkClick r:id="rId3"/>
             </p:cNvPr>
             <p:cNvPicPr/>
@@ -1243,6 +1365,18 @@
   <p:clrMapOvr>
     <a:masterClrMapping/>
   </p:clrMapOvr>
+  <mc:AlternateContent xmlns:mc="http://schemas.openxmlformats.org/markup-compatibility/2006">
+    <mc:Choice xmlns:p15="http://schemas.microsoft.com/office/powerpoint/2012/main" Requires="p15">
+      <p:transition xmlns:p14="http://schemas.microsoft.com/office/powerpoint/2010/main" spd="slow" p14:dur="2000">
+        <p15:prstTrans prst="drape"/>
+      </p:transition>
+    </mc:Choice>
+    <mc:Fallback>
+      <p:transition spd="slow">
+        <p:fade/>
+      </p:transition>
+    </mc:Fallback>
+  </mc:AlternateContent>
 </p:sld>
 </file>
 
@@ -1265,7 +1399,7 @@
       </p:grpSpPr>
       <p:grpSp>
         <p:nvGrpSpPr>
-          <p:cNvPr id="2" name="object 2" descr=""/>
+          <p:cNvPr id="2" name="object 2"/>
           <p:cNvGrpSpPr/>
           <p:nvPr/>
         </p:nvGrpSpPr>
@@ -1279,7 +1413,7 @@
         </p:grpSpPr>
         <p:pic>
           <p:nvPicPr>
-            <p:cNvPr id="3" name="object 3" descr=""/>
+            <p:cNvPr id="3" name="object 3"/>
             <p:cNvPicPr/>
             <p:nvPr/>
           </p:nvPicPr>
@@ -1301,7 +1435,7 @@
         </p:pic>
         <p:pic>
           <p:nvPicPr>
-            <p:cNvPr id="4" name="object 4" descr="">
+            <p:cNvPr id="4" name="object 4">
               <a:hlinkClick r:id="rId3"/>
             </p:cNvPr>
             <p:cNvPicPr/>
@@ -1329,6 +1463,9 @@
   <p:clrMapOvr>
     <a:masterClrMapping/>
   </p:clrMapOvr>
+  <p:transition spd="slow">
+    <p:pull dir="lu"/>
+  </p:transition>
 </p:sld>
 </file>
 
@@ -1351,7 +1488,7 @@
       </p:grpSpPr>
       <p:grpSp>
         <p:nvGrpSpPr>
-          <p:cNvPr id="2" name="object 2" descr=""/>
+          <p:cNvPr id="2" name="object 2"/>
           <p:cNvGrpSpPr/>
           <p:nvPr/>
         </p:nvGrpSpPr>
@@ -1365,7 +1502,7 @@
         </p:grpSpPr>
         <p:pic>
           <p:nvPicPr>
-            <p:cNvPr id="3" name="object 3" descr=""/>
+            <p:cNvPr id="3" name="object 3"/>
             <p:cNvPicPr/>
             <p:nvPr/>
           </p:nvPicPr>
@@ -1387,7 +1524,7 @@
         </p:pic>
         <p:pic>
           <p:nvPicPr>
-            <p:cNvPr id="4" name="object 4" descr="">
+            <p:cNvPr id="4" name="object 4">
               <a:hlinkClick r:id="rId3"/>
             </p:cNvPr>
             <p:cNvPicPr/>
@@ -1415,6 +1552,9 @@
   <p:clrMapOvr>
     <a:masterClrMapping/>
   </p:clrMapOvr>
+  <p:transition spd="slow">
+    <p:pull dir="lu"/>
+  </p:transition>
 </p:sld>
 </file>
 
@@ -1437,7 +1577,7 @@
       </p:grpSpPr>
       <p:grpSp>
         <p:nvGrpSpPr>
-          <p:cNvPr id="2" name="object 2" descr=""/>
+          <p:cNvPr id="2" name="object 2"/>
           <p:cNvGrpSpPr/>
           <p:nvPr/>
         </p:nvGrpSpPr>
@@ -1451,7 +1591,7 @@
         </p:grpSpPr>
         <p:pic>
           <p:nvPicPr>
-            <p:cNvPr id="3" name="object 3" descr=""/>
+            <p:cNvPr id="3" name="object 3"/>
             <p:cNvPicPr/>
             <p:nvPr/>
           </p:nvPicPr>
@@ -1473,7 +1613,7 @@
         </p:pic>
         <p:pic>
           <p:nvPicPr>
-            <p:cNvPr id="4" name="object 4" descr="">
+            <p:cNvPr id="4" name="object 4">
               <a:hlinkClick r:id="rId3"/>
             </p:cNvPr>
             <p:cNvPicPr/>
@@ -1501,6 +1641,9 @@
   <p:clrMapOvr>
     <a:masterClrMapping/>
   </p:clrMapOvr>
+  <p:transition spd="slow">
+    <p:pull dir="lu"/>
+  </p:transition>
 </p:sld>
 </file>
 
@@ -1523,7 +1666,7 @@
       </p:grpSpPr>
       <p:grpSp>
         <p:nvGrpSpPr>
-          <p:cNvPr id="2" name="object 2" descr=""/>
+          <p:cNvPr id="2" name="object 2"/>
           <p:cNvGrpSpPr/>
           <p:nvPr/>
         </p:nvGrpSpPr>
@@ -1537,7 +1680,7 @@
         </p:grpSpPr>
         <p:pic>
           <p:nvPicPr>
-            <p:cNvPr id="3" name="object 3" descr=""/>
+            <p:cNvPr id="3" name="object 3"/>
             <p:cNvPicPr/>
             <p:nvPr/>
           </p:nvPicPr>
@@ -1559,7 +1702,7 @@
         </p:pic>
         <p:pic>
           <p:nvPicPr>
-            <p:cNvPr id="4" name="object 4" descr="">
+            <p:cNvPr id="4" name="object 4">
               <a:hlinkClick r:id="rId3"/>
             </p:cNvPr>
             <p:cNvPicPr/>
@@ -1587,6 +1730,9 @@
   <p:clrMapOvr>
     <a:masterClrMapping/>
   </p:clrMapOvr>
+  <p:transition spd="slow">
+    <p:pull dir="lu"/>
+  </p:transition>
 </p:sld>
 </file>
 
@@ -1609,7 +1755,7 @@
       </p:grpSpPr>
       <p:grpSp>
         <p:nvGrpSpPr>
-          <p:cNvPr id="2" name="object 2" descr=""/>
+          <p:cNvPr id="2" name="object 2"/>
           <p:cNvGrpSpPr/>
           <p:nvPr/>
         </p:nvGrpSpPr>
@@ -1623,7 +1769,7 @@
         </p:grpSpPr>
         <p:pic>
           <p:nvPicPr>
-            <p:cNvPr id="3" name="object 3" descr=""/>
+            <p:cNvPr id="3" name="object 3"/>
             <p:cNvPicPr/>
             <p:nvPr/>
           </p:nvPicPr>
@@ -1645,7 +1791,7 @@
         </p:pic>
         <p:pic>
           <p:nvPicPr>
-            <p:cNvPr id="4" name="object 4" descr="">
+            <p:cNvPr id="4" name="object 4">
               <a:hlinkClick r:id="rId3"/>
             </p:cNvPr>
             <p:cNvPicPr/>
@@ -1673,6 +1819,9 @@
   <p:clrMapOvr>
     <a:masterClrMapping/>
   </p:clrMapOvr>
+  <p:transition spd="slow">
+    <p:pull dir="lu"/>
+  </p:transition>
 </p:sld>
 </file>
 
